--- a/Assets/Le HTML Le CSS.pptx
+++ b/Assets/Le HTML Le CSS.pptx
@@ -6224,8 +6224,23 @@
                 </a:solidFill>
                 <a:latin typeface="Bahnschrift SemiLight" pitchFamily="34" charset="0"/>
               </a:rPr>
-              <a:t>Url: https://iryaxu.github.io/HTMLLearning</a:t>
-            </a:r>
+              <a:t>Url</a:t>
+            </a:r>
+            <a:r>
+              <a:rPr lang="fr-FR" sz="2000" smtClean="0">
+                <a:solidFill>
+                  <a:schemeClr val="bg1"/>
+                </a:solidFill>
+                <a:latin typeface="Bahnschrift SemiLight" pitchFamily="34" charset="0"/>
+              </a:rPr>
+              <a:t>: https://iryaxu.github.io/HTMLLearning/index.html</a:t>
+            </a:r>
+            <a:endParaRPr lang="fr-FR" sz="2000" dirty="0" smtClean="0">
+              <a:solidFill>
+                <a:schemeClr val="bg1"/>
+              </a:solidFill>
+              <a:latin typeface="Bahnschrift SemiLight" pitchFamily="34" charset="0"/>
+            </a:endParaRPr>
           </a:p>
         </p:txBody>
       </p:sp>
